--- a/PowerpointTemplater.Tests/files/ReplaceTables_output5.pptx
+++ b/PowerpointTemplater.Tests/files/ReplaceTables_output5.pptx
@@ -6,10 +6,10 @@
   </p:sldMasterIdLst>
   <p:sldIdLst>
     <p:sldId id="256" r:id="rId2"/>
-    <p:sldId id="259" r:id="R2e87f6184d454c5a"/>
-    <p:sldId id="260" r:id="R8a03457d5ea446c5"/>
-    <p:sldId id="261" r:id="Rb28713b417d64760"/>
-    <p:sldId id="262" r:id="Rd52271d9ebcc4cf5"/>
+    <p:sldId id="259" r:id="R753e72fe2cd24634"/>
+    <p:sldId id="260" r:id="R91449d3ecda34b41"/>
+    <p:sldId id="261" r:id="Rc7b684affb0a4fae"/>
+    <p:sldId id="262" r:id="R9755b78363604044"/>
     <p:sldId id="258" r:id="rId4"/>
   </p:sldIdLst>
   <p:sldSz cx="9144000" cy="6858000" type="screen4x3"/>
@@ -3320,7 +3320,7 @@
           </p:nvPr>
         </p:nvPicPr>
         <p:blipFill>
-          <a:blip r:embed="R3349838a2e66441a">
+          <a:blip r:embed="R6b2f2a5fc3ae45f9">
             <a:extLst>
               <a:ext uri="{28A0092B-C50C-407E-A947-70E740481C1C}">
                 <a14:useLocalDpi xmlns:a14="http://schemas.microsoft.com/office/drawing/2010/main" val="0"/>

--- a/PowerpointTemplater.Tests/files/ReplaceTables_output5.pptx
+++ b/PowerpointTemplater.Tests/files/ReplaceTables_output5.pptx
@@ -6,10 +6,10 @@
   </p:sldMasterIdLst>
   <p:sldIdLst>
     <p:sldId id="256" r:id="rId2"/>
-    <p:sldId id="259" r:id="R753e72fe2cd24634"/>
-    <p:sldId id="260" r:id="R91449d3ecda34b41"/>
-    <p:sldId id="261" r:id="Rc7b684affb0a4fae"/>
-    <p:sldId id="262" r:id="R9755b78363604044"/>
+    <p:sldId id="259" r:id="R6604c8b5ee4a44d6"/>
+    <p:sldId id="260" r:id="Rcb9965de4e2d40d3"/>
+    <p:sldId id="261" r:id="R7f9d7cbe4e924a29"/>
+    <p:sldId id="262" r:id="Rb71a2b5c3ad54f3c"/>
     <p:sldId id="258" r:id="rId4"/>
   </p:sldIdLst>
   <p:sldSz cx="9144000" cy="6858000" type="screen4x3"/>
@@ -3320,7 +3320,7 @@
           </p:nvPr>
         </p:nvPicPr>
         <p:blipFill>
-          <a:blip r:embed="R6b2f2a5fc3ae45f9">
+          <a:blip r:embed="R99c831add7994a7e">
             <a:extLst>
               <a:ext uri="{28A0092B-C50C-407E-A947-70E740481C1C}">
                 <a14:useLocalDpi xmlns:a14="http://schemas.microsoft.com/office/drawing/2010/main" val="0"/>

--- a/PowerpointTemplater.Tests/files/ReplaceTables_output5.pptx
+++ b/PowerpointTemplater.Tests/files/ReplaceTables_output5.pptx
@@ -6,10 +6,10 @@
   </p:sldMasterIdLst>
   <p:sldIdLst>
     <p:sldId id="256" r:id="rId2"/>
-    <p:sldId id="259" r:id="R6604c8b5ee4a44d6"/>
-    <p:sldId id="260" r:id="Rcb9965de4e2d40d3"/>
-    <p:sldId id="261" r:id="R7f9d7cbe4e924a29"/>
-    <p:sldId id="262" r:id="Rb71a2b5c3ad54f3c"/>
+    <p:sldId id="259" r:id="R5823ac0cfadf4574"/>
+    <p:sldId id="260" r:id="R871286e2d1974041"/>
+    <p:sldId id="261" r:id="Red4513f9267943df"/>
+    <p:sldId id="262" r:id="Rd5b658bfd87a421d"/>
     <p:sldId id="258" r:id="rId4"/>
   </p:sldIdLst>
   <p:sldSz cx="9144000" cy="6858000" type="screen4x3"/>
@@ -3320,7 +3320,7 @@
           </p:nvPr>
         </p:nvPicPr>
         <p:blipFill>
-          <a:blip r:embed="R99c831add7994a7e">
+          <a:blip r:embed="R9dc8ebd96f0c434f">
             <a:extLst>
               <a:ext uri="{28A0092B-C50C-407E-A947-70E740481C1C}">
                 <a14:useLocalDpi xmlns:a14="http://schemas.microsoft.com/office/drawing/2010/main" val="0"/>
@@ -3493,7 +3493,7 @@
                     <a:lstStyle/>
                     <a:p>
                       <a:r>
-                        <a:rPr lang="en-US" sz="1800" b="0" i="0" u="none" dirty="0" smtClean="0"/>
+                        <a:rPr lang="en-US" sz="1800" b="0" i="0" u="none" strike="noStrike" dirty="0" smtClean="0"/>
                         <a:t>1.0.1</a:t>
                       </a:r>
                       <a:endParaRPr lang="fr-FR" sz="1800" b="0" i="0" u="none" dirty="0"/>
@@ -3524,7 +3524,7 @@
                         <a:defRPr/>
                       </a:pPr>
                       <a:r>
-                        <a:rPr lang="en-US" dirty="0" smtClean="0"/>
+                        <a:rPr lang="en-US" b="0" i="0" strike="noStrike" dirty="0" smtClean="0"/>
                         <a:t>1.0.2</a:t>
                       </a:r>
                       <a:endParaRPr lang="fr-FR" dirty="0" smtClean="0"/>
@@ -3538,7 +3538,7 @@
                     <a:lstStyle/>
                     <a:p>
                       <a:r>
-                        <a:rPr lang="en-US" dirty="0" smtClean="0"/>
+                        <a:rPr lang="en-US" b="0" i="0" strike="noStrike" dirty="0" smtClean="0"/>
                         <a:t>1.0.3</a:t>
                       </a:r>
                       <a:endParaRPr lang="fr-FR" dirty="0"/>
@@ -3552,7 +3552,7 @@
                     <a:lstStyle/>
                     <a:p>
                       <a:r>
-                        <a:rPr lang="en-US" dirty="0" smtClean="0"/>
+                        <a:rPr lang="en-US" b="0" i="0" strike="noStrike" dirty="0" smtClean="0"/>
                         <a:t>1.0.4</a:t>
                       </a:r>
                       <a:endParaRPr lang="fr-FR" dirty="0"/>
@@ -3566,7 +3566,7 @@
                     <a:lstStyle/>
                     <a:p>
                       <a:r>
-                        <a:rPr lang="en-US" dirty="0" smtClean="0"/>
+                        <a:rPr lang="en-US" b="0" i="0" strike="noStrike" dirty="0" smtClean="0"/>
                         <a:t>1.0.5</a:t>
                       </a:r>
                       <a:endParaRPr lang="fr-FR" dirty="0"/>
@@ -3580,7 +3580,7 @@
                     <a:lstStyle/>
                     <a:p>
                       <a:r>
-                        <a:rPr lang="en-US" dirty="0" smtClean="0"/>
+                        <a:rPr lang="en-US" b="0" i="0" strike="noStrike" dirty="0" smtClean="0"/>
                         <a:t>1.0.6</a:t>
                       </a:r>
                       <a:endParaRPr lang="fr-FR" dirty="0"/>
@@ -3596,7 +3596,7 @@
                     <a:lstStyle/>
                     <a:p>
                       <a:r>
-                        <a:rPr lang="en-US" dirty="0" smtClean="0"/>
+                        <a:rPr lang="en-US" b="0" i="0" strike="noStrike" dirty="0" smtClean="0"/>
                         <a:t>1.1.1</a:t>
                       </a:r>
                       <a:endParaRPr lang="fr-FR" dirty="0"/>
@@ -3627,7 +3627,7 @@
                         <a:defRPr/>
                       </a:pPr>
                       <a:r>
-                        <a:rPr lang="en-US" dirty="0" smtClean="0"/>
+                        <a:rPr lang="en-US" b="0" i="0" strike="noStrike" dirty="0" smtClean="0"/>
                         <a:t>1.1.2</a:t>
                       </a:r>
                       <a:endParaRPr lang="fr-FR" dirty="0" smtClean="0"/>
@@ -3641,7 +3641,7 @@
                     <a:lstStyle/>
                     <a:p>
                       <a:r>
-                        <a:rPr lang="en-US" dirty="0" smtClean="0"/>
+                        <a:rPr lang="en-US" b="0" i="0" strike="noStrike" dirty="0" smtClean="0"/>
                         <a:t>1.1.3</a:t>
                       </a:r>
                       <a:endParaRPr lang="fr-FR" dirty="0"/>
@@ -3655,7 +3655,7 @@
                     <a:lstStyle/>
                     <a:p>
                       <a:r>
-                        <a:rPr lang="en-US" dirty="0" smtClean="0"/>
+                        <a:rPr lang="en-US" b="0" i="0" strike="noStrike" dirty="0" smtClean="0"/>
                         <a:t>1.1.4</a:t>
                       </a:r>
                       <a:endParaRPr lang="fr-FR" dirty="0"/>
@@ -3669,7 +3669,7 @@
                     <a:lstStyle/>
                     <a:p>
                       <a:r>
-                        <a:rPr lang="en-US" dirty="0" smtClean="0"/>
+                        <a:rPr lang="en-US" b="0" i="0" strike="noStrike" dirty="0" smtClean="0"/>
                         <a:t>1.1.5</a:t>
                       </a:r>
                       <a:endParaRPr lang="fr-FR" dirty="0"/>
@@ -3683,7 +3683,7 @@
                     <a:lstStyle/>
                     <a:p>
                       <a:r>
-                        <a:rPr lang="en-US" dirty="0" smtClean="0"/>
+                        <a:rPr lang="en-US" b="0" i="0" strike="noStrike" dirty="0" smtClean="0"/>
                         <a:t>1.1.6</a:t>
                       </a:r>
                       <a:endParaRPr lang="fr-FR" dirty="0"/>
@@ -3699,7 +3699,7 @@
                     <a:lstStyle/>
                     <a:p>
                       <a:r>
-                        <a:rPr lang="en-US" dirty="0" smtClean="0"/>
+                        <a:rPr lang="en-US" b="0" i="0" strike="noStrike" dirty="0" smtClean="0"/>
                         <a:t>1.2.1</a:t>
                       </a:r>
                       <a:endParaRPr lang="fr-FR" dirty="0"/>
@@ -3730,7 +3730,7 @@
                         <a:defRPr/>
                       </a:pPr>
                       <a:r>
-                        <a:rPr lang="en-US" dirty="0" smtClean="0"/>
+                        <a:rPr lang="en-US" b="0" i="0" strike="noStrike" dirty="0" smtClean="0"/>
                         <a:t>1.2.2</a:t>
                       </a:r>
                       <a:endParaRPr lang="fr-FR" dirty="0" smtClean="0"/>
@@ -3744,7 +3744,7 @@
                     <a:lstStyle/>
                     <a:p>
                       <a:r>
-                        <a:rPr lang="en-US" dirty="0" smtClean="0"/>
+                        <a:rPr lang="en-US" b="0" i="0" strike="noStrike" dirty="0" smtClean="0"/>
                         <a:t>1.2.3</a:t>
                       </a:r>
                       <a:endParaRPr lang="fr-FR" dirty="0"/>
@@ -3758,7 +3758,7 @@
                     <a:lstStyle/>
                     <a:p>
                       <a:r>
-                        <a:rPr lang="en-US" dirty="0" smtClean="0"/>
+                        <a:rPr lang="en-US" b="0" i="0" strike="noStrike" dirty="0" smtClean="0"/>
                         <a:t>1.2.4</a:t>
                       </a:r>
                       <a:endParaRPr lang="fr-FR" dirty="0"/>
@@ -3772,7 +3772,7 @@
                     <a:lstStyle/>
                     <a:p>
                       <a:r>
-                        <a:rPr lang="en-US" dirty="0" smtClean="0"/>
+                        <a:rPr lang="en-US" b="0" i="0" strike="noStrike" dirty="0" smtClean="0"/>
                         <a:t>1.2.5</a:t>
                       </a:r>
                       <a:endParaRPr lang="fr-FR" dirty="0"/>
@@ -3786,7 +3786,7 @@
                     <a:lstStyle/>
                     <a:p>
                       <a:r>
-                        <a:rPr lang="en-US" dirty="0" smtClean="0"/>
+                        <a:rPr lang="en-US" b="0" i="0" strike="noStrike" dirty="0" smtClean="0"/>
                         <a:t>1.2.6</a:t>
                       </a:r>
                       <a:endParaRPr lang="fr-FR" dirty="0"/>
@@ -3924,7 +3924,7 @@
                     <a:lstStyle/>
                     <a:p>
                       <a:r>
-                        <a:rPr lang="en-US" dirty="0" smtClean="0"/>
+                        <a:rPr lang="en-US" b="0" i="0" strike="noStrike" dirty="0" smtClean="0"/>
                         <a:t>2.0.1</a:t>
                       </a:r>
                       <a:endParaRPr lang="fr-FR" dirty="0"/>
@@ -3955,7 +3955,7 @@
                         <a:defRPr/>
                       </a:pPr>
                       <a:r>
-                        <a:rPr lang="en-US" dirty="0" smtClean="0"/>
+                        <a:rPr lang="en-US" b="0" i="0" strike="noStrike" dirty="0" smtClean="0"/>
                         <a:t>2.0.2</a:t>
                       </a:r>
                       <a:endParaRPr lang="fr-FR" dirty="0" smtClean="0"/>
@@ -3969,7 +3969,7 @@
                     <a:lstStyle/>
                     <a:p>
                       <a:r>
-                        <a:rPr lang="en-US" dirty="0" smtClean="0"/>
+                        <a:rPr lang="en-US" b="0" i="0" strike="noStrike" dirty="0" smtClean="0"/>
                         <a:t>2.0.3</a:t>
                       </a:r>
                       <a:endParaRPr lang="fr-FR" dirty="0"/>
@@ -3983,7 +3983,7 @@
                     <a:lstStyle/>
                     <a:p>
                       <a:r>
-                        <a:rPr lang="en-US" dirty="0" smtClean="0"/>
+                        <a:rPr lang="en-US" b="0" i="0" strike="noStrike" dirty="0" smtClean="0"/>
                         <a:t>2.0.4</a:t>
                       </a:r>
                       <a:endParaRPr lang="fr-FR" dirty="0"/>
@@ -3997,7 +3997,7 @@
                     <a:lstStyle/>
                     <a:p>
                       <a:r>
-                        <a:rPr lang="en-US" dirty="0" smtClean="0"/>
+                        <a:rPr lang="en-US" b="0" i="0" strike="noStrike" dirty="0" smtClean="0"/>
                         <a:t>2.0.5</a:t>
                       </a:r>
                       <a:endParaRPr lang="fr-FR" dirty="0"/>
@@ -4011,7 +4011,7 @@
                     <a:lstStyle/>
                     <a:p>
                       <a:r>
-                        <a:rPr lang="en-US" dirty="0" smtClean="0"/>
+                        <a:rPr lang="en-US" b="0" i="0" strike="noStrike" dirty="0" smtClean="0"/>
                         <a:t>2.0.6</a:t>
                       </a:r>
                       <a:endParaRPr lang="fr-FR" dirty="0"/>
@@ -4027,7 +4027,7 @@
                     <a:lstStyle/>
                     <a:p>
                       <a:r>
-                        <a:rPr lang="en-US" dirty="0" smtClean="0"/>
+                        <a:rPr lang="en-US" b="0" i="0" strike="noStrike" dirty="0" smtClean="0"/>
                         <a:t>2.1.1</a:t>
                       </a:r>
                       <a:endParaRPr lang="fr-FR" dirty="0"/>
@@ -4058,7 +4058,7 @@
                         <a:defRPr/>
                       </a:pPr>
                       <a:r>
-                        <a:rPr lang="en-US" dirty="0" smtClean="0"/>
+                        <a:rPr lang="en-US" b="0" i="0" strike="noStrike" dirty="0" smtClean="0"/>
                         <a:t>2.1.2</a:t>
                       </a:r>
                       <a:endParaRPr lang="fr-FR" dirty="0" smtClean="0"/>
@@ -4072,7 +4072,7 @@
                     <a:lstStyle/>
                     <a:p>
                       <a:r>
-                        <a:rPr lang="en-US" dirty="0" smtClean="0"/>
+                        <a:rPr lang="en-US" b="0" i="0" strike="noStrike" dirty="0" smtClean="0"/>
                         <a:t>2.1.3</a:t>
                       </a:r>
                       <a:endParaRPr lang="fr-FR" dirty="0"/>
@@ -4086,7 +4086,7 @@
                     <a:lstStyle/>
                     <a:p>
                       <a:r>
-                        <a:rPr lang="en-US" dirty="0" smtClean="0"/>
+                        <a:rPr lang="en-US" b="0" i="0" strike="noStrike" dirty="0" smtClean="0"/>
                         <a:t>2.1.4</a:t>
                       </a:r>
                       <a:endParaRPr lang="fr-FR" dirty="0"/>
@@ -4100,7 +4100,7 @@
                     <a:lstStyle/>
                     <a:p>
                       <a:r>
-                        <a:rPr lang="en-US" dirty="0" smtClean="0"/>
+                        <a:rPr lang="en-US" b="0" i="0" strike="noStrike" dirty="0" smtClean="0"/>
                         <a:t>2.1.5</a:t>
                       </a:r>
                       <a:endParaRPr lang="fr-FR" dirty="0"/>
@@ -4114,7 +4114,7 @@
                     <a:lstStyle/>
                     <a:p>
                       <a:r>
-                        <a:rPr lang="en-US" dirty="0" smtClean="0"/>
+                        <a:rPr lang="en-US" b="0" i="0" strike="noStrike" dirty="0" smtClean="0"/>
                         <a:t>2.1.6</a:t>
                       </a:r>
                       <a:endParaRPr lang="fr-FR" dirty="0"/>
@@ -4130,7 +4130,7 @@
                     <a:lstStyle/>
                     <a:p>
                       <a:r>
-                        <a:rPr lang="en-US" dirty="0" smtClean="0"/>
+                        <a:rPr lang="en-US" b="0" i="0" strike="noStrike" dirty="0" smtClean="0"/>
                         <a:t>2.2.1</a:t>
                       </a:r>
                       <a:endParaRPr lang="fr-FR" dirty="0"/>
@@ -4161,7 +4161,7 @@
                         <a:defRPr/>
                       </a:pPr>
                       <a:r>
-                        <a:rPr lang="en-US" dirty="0" smtClean="0"/>
+                        <a:rPr lang="en-US" b="0" i="0" strike="noStrike" dirty="0" smtClean="0"/>
                         <a:t>2.2.2</a:t>
                       </a:r>
                       <a:endParaRPr lang="fr-FR" dirty="0" smtClean="0"/>
@@ -4175,7 +4175,7 @@
                     <a:lstStyle/>
                     <a:p>
                       <a:r>
-                        <a:rPr lang="en-US" dirty="0" smtClean="0"/>
+                        <a:rPr lang="en-US" b="0" i="0" strike="noStrike" dirty="0" smtClean="0"/>
                         <a:t>2.2.3</a:t>
                       </a:r>
                       <a:endParaRPr lang="fr-FR" dirty="0"/>
@@ -4189,7 +4189,7 @@
                     <a:lstStyle/>
                     <a:p>
                       <a:r>
-                        <a:rPr lang="en-US" dirty="0" smtClean="0"/>
+                        <a:rPr lang="en-US" b="0" i="0" strike="noStrike" dirty="0" smtClean="0"/>
                         <a:t>2.2.4</a:t>
                       </a:r>
                       <a:endParaRPr lang="fr-FR" dirty="0"/>
@@ -4203,7 +4203,7 @@
                     <a:lstStyle/>
                     <a:p>
                       <a:r>
-                        <a:rPr lang="en-US" dirty="0" smtClean="0"/>
+                        <a:rPr lang="en-US" b="0" i="0" strike="noStrike" dirty="0" smtClean="0"/>
                         <a:t>2.2.5</a:t>
                       </a:r>
                       <a:endParaRPr lang="fr-FR" dirty="0"/>
@@ -4217,7 +4217,7 @@
                     <a:lstStyle/>
                     <a:p>
                       <a:r>
-                        <a:rPr lang="en-US" dirty="0" smtClean="0"/>
+                        <a:rPr lang="en-US" b="0" i="0" strike="noStrike" dirty="0" smtClean="0"/>
                         <a:t>2.2.6</a:t>
                       </a:r>
                       <a:endParaRPr lang="fr-FR" dirty="0"/>
@@ -4233,7 +4233,7 @@
                     <a:lstStyle/>
                     <a:p>
                       <a:r>
-                        <a:rPr lang="en-US" dirty="0" smtClean="0"/>
+                        <a:rPr lang="en-US" b="0" i="0" strike="noStrike" dirty="0" smtClean="0"/>
                         <a:t>2.3.1</a:t>
                       </a:r>
                       <a:endParaRPr lang="fr-FR" dirty="0"/>
@@ -4264,7 +4264,7 @@
                         <a:defRPr/>
                       </a:pPr>
                       <a:r>
-                        <a:rPr lang="en-US" dirty="0" smtClean="0"/>
+                        <a:rPr lang="en-US" b="0" i="0" strike="noStrike" dirty="0" smtClean="0"/>
                         <a:t>2.3.2</a:t>
                       </a:r>
                       <a:endParaRPr lang="fr-FR" dirty="0" smtClean="0"/>
@@ -4278,7 +4278,7 @@
                     <a:lstStyle/>
                     <a:p>
                       <a:r>
-                        <a:rPr lang="en-US" dirty="0" smtClean="0"/>
+                        <a:rPr lang="en-US" b="0" i="0" strike="noStrike" dirty="0" smtClean="0"/>
                         <a:t>2.3.3</a:t>
                       </a:r>
                       <a:endParaRPr lang="fr-FR" dirty="0"/>
@@ -4292,7 +4292,7 @@
                     <a:lstStyle/>
                     <a:p>
                       <a:r>
-                        <a:rPr lang="en-US" dirty="0" smtClean="0"/>
+                        <a:rPr lang="en-US" b="0" i="0" strike="noStrike" dirty="0" smtClean="0"/>
                         <a:t>2.3.4</a:t>
                       </a:r>
                       <a:endParaRPr lang="fr-FR" dirty="0"/>
@@ -4306,7 +4306,7 @@
                     <a:lstStyle/>
                     <a:p>
                       <a:r>
-                        <a:rPr lang="en-US" dirty="0" smtClean="0"/>
+                        <a:rPr lang="en-US" b="0" i="0" strike="noStrike" dirty="0" smtClean="0"/>
                         <a:t>2.3.5</a:t>
                       </a:r>
                       <a:endParaRPr lang="fr-FR" dirty="0"/>
@@ -4320,7 +4320,7 @@
                     <a:lstStyle/>
                     <a:p>
                       <a:r>
-                        <a:rPr lang="en-US" dirty="0" smtClean="0"/>
+                        <a:rPr lang="en-US" b="0" i="0" strike="noStrike" dirty="0" smtClean="0"/>
                         <a:t>2.3.6</a:t>
                       </a:r>
                       <a:endParaRPr lang="fr-FR" dirty="0"/>
@@ -4458,7 +4458,7 @@
                     <a:lstStyle/>
                     <a:p>
                       <a:r>
-                        <a:rPr lang="en-US" dirty="0" smtClean="0"/>
+                        <a:rPr lang="en-US" b="0" i="0" strike="noStrike" dirty="0" smtClean="0"/>
                         <a:t>3.0.1</a:t>
                       </a:r>
                       <a:endParaRPr lang="fr-FR" dirty="0"/>
@@ -4489,7 +4489,7 @@
                         <a:defRPr/>
                       </a:pPr>
                       <a:r>
-                        <a:rPr lang="en-US" dirty="0" smtClean="0"/>
+                        <a:rPr lang="en-US" b="0" i="0" strike="noStrike" dirty="0" smtClean="0"/>
                         <a:t>3.0.2</a:t>
                       </a:r>
                       <a:endParaRPr lang="fr-FR" dirty="0" smtClean="0"/>
@@ -4503,7 +4503,7 @@
                     <a:lstStyle/>
                     <a:p>
                       <a:r>
-                        <a:rPr lang="en-US" dirty="0" smtClean="0"/>
+                        <a:rPr lang="en-US" b="0" i="0" strike="noStrike" dirty="0" smtClean="0"/>
                         <a:t>3.0.3</a:t>
                       </a:r>
                       <a:endParaRPr lang="fr-FR" dirty="0"/>
@@ -4517,7 +4517,7 @@
                     <a:lstStyle/>
                     <a:p>
                       <a:r>
-                        <a:rPr lang="en-US" dirty="0" smtClean="0"/>
+                        <a:rPr lang="en-US" b="0" i="0" strike="noStrike" dirty="0" smtClean="0"/>
                         <a:t>3.0.4</a:t>
                       </a:r>
                       <a:endParaRPr lang="fr-FR" dirty="0"/>
@@ -4531,7 +4531,7 @@
                     <a:lstStyle/>
                     <a:p>
                       <a:r>
-                        <a:rPr lang="en-US" dirty="0" smtClean="0"/>
+                        <a:rPr lang="en-US" b="0" i="0" strike="noStrike" dirty="0" smtClean="0"/>
                         <a:t>3.0.5</a:t>
                       </a:r>
                       <a:endParaRPr lang="fr-FR" dirty="0"/>
@@ -4545,7 +4545,7 @@
                     <a:lstStyle/>
                     <a:p>
                       <a:r>
-                        <a:rPr lang="en-US" dirty="0" smtClean="0"/>
+                        <a:rPr lang="en-US" b="0" i="0" strike="noStrike" dirty="0" smtClean="0"/>
                         <a:t>3.0.6</a:t>
                       </a:r>
                       <a:endParaRPr lang="fr-FR" dirty="0"/>
@@ -4561,7 +4561,7 @@
                     <a:lstStyle/>
                     <a:p>
                       <a:r>
-                        <a:rPr lang="en-US" dirty="0" smtClean="0"/>
+                        <a:rPr lang="en-US" b="0" i="0" strike="noStrike" dirty="0" smtClean="0"/>
                         <a:t>3.1.1</a:t>
                       </a:r>
                       <a:endParaRPr lang="fr-FR" dirty="0"/>
@@ -4592,7 +4592,7 @@
                         <a:defRPr/>
                       </a:pPr>
                       <a:r>
-                        <a:rPr lang="en-US" dirty="0" smtClean="0"/>
+                        <a:rPr lang="en-US" b="0" i="0" strike="noStrike" dirty="0" smtClean="0"/>
                         <a:t>3.1.2</a:t>
                       </a:r>
                       <a:endParaRPr lang="fr-FR" dirty="0" smtClean="0"/>
@@ -4606,7 +4606,7 @@
                     <a:lstStyle/>
                     <a:p>
                       <a:r>
-                        <a:rPr lang="en-US" dirty="0" smtClean="0"/>
+                        <a:rPr lang="en-US" b="0" i="0" strike="noStrike" dirty="0" smtClean="0"/>
                         <a:t>3.1.3</a:t>
                       </a:r>
                       <a:endParaRPr lang="fr-FR" dirty="0"/>
@@ -4620,7 +4620,7 @@
                     <a:lstStyle/>
                     <a:p>
                       <a:r>
-                        <a:rPr lang="en-US" dirty="0" smtClean="0"/>
+                        <a:rPr lang="en-US" b="0" i="0" strike="noStrike" dirty="0" smtClean="0"/>
                         <a:t>3.1.4</a:t>
                       </a:r>
                       <a:endParaRPr lang="fr-FR" dirty="0"/>
@@ -4634,7 +4634,7 @@
                     <a:lstStyle/>
                     <a:p>
                       <a:r>
-                        <a:rPr lang="en-US" dirty="0" smtClean="0"/>
+                        <a:rPr lang="en-US" b="0" i="0" strike="noStrike" dirty="0" smtClean="0"/>
                         <a:t>3.1.5</a:t>
                       </a:r>
                       <a:endParaRPr lang="fr-FR" dirty="0"/>
@@ -4648,7 +4648,7 @@
                     <a:lstStyle/>
                     <a:p>
                       <a:r>
-                        <a:rPr lang="en-US" dirty="0" smtClean="0"/>
+                        <a:rPr lang="en-US" b="0" i="0" strike="noStrike" dirty="0" smtClean="0"/>
                         <a:t>3.1.6</a:t>
                       </a:r>
                       <a:endParaRPr lang="fr-FR" dirty="0"/>
@@ -4664,7 +4664,7 @@
                     <a:lstStyle/>
                     <a:p>
                       <a:r>
-                        <a:rPr lang="en-US" dirty="0" smtClean="0"/>
+                        <a:rPr lang="en-US" b="0" i="0" strike="noStrike" dirty="0" smtClean="0"/>
                         <a:t>3.2.1</a:t>
                       </a:r>
                       <a:endParaRPr lang="fr-FR" dirty="0"/>
@@ -4695,7 +4695,7 @@
                         <a:defRPr/>
                       </a:pPr>
                       <a:r>
-                        <a:rPr lang="en-US" dirty="0" smtClean="0"/>
+                        <a:rPr lang="en-US" b="0" i="0" strike="noStrike" dirty="0" smtClean="0"/>
                         <a:t>3.2.2</a:t>
                       </a:r>
                       <a:endParaRPr lang="fr-FR" dirty="0" smtClean="0"/>
@@ -4709,7 +4709,7 @@
                     <a:lstStyle/>
                     <a:p>
                       <a:r>
-                        <a:rPr lang="en-US" dirty="0" smtClean="0"/>
+                        <a:rPr lang="en-US" b="0" i="0" strike="noStrike" dirty="0" smtClean="0"/>
                         <a:t>3.2.3</a:t>
                       </a:r>
                       <a:endParaRPr lang="fr-FR" dirty="0"/>
@@ -4723,7 +4723,7 @@
                     <a:lstStyle/>
                     <a:p>
                       <a:r>
-                        <a:rPr lang="en-US" dirty="0" smtClean="0"/>
+                        <a:rPr lang="en-US" b="0" i="0" strike="noStrike" dirty="0" smtClean="0"/>
                         <a:t>3.2.4</a:t>
                       </a:r>
                       <a:endParaRPr lang="fr-FR" dirty="0"/>
@@ -4737,7 +4737,7 @@
                     <a:lstStyle/>
                     <a:p>
                       <a:r>
-                        <a:rPr lang="en-US" dirty="0" smtClean="0"/>
+                        <a:rPr lang="en-US" b="0" i="0" strike="noStrike" dirty="0" smtClean="0"/>
                         <a:t>3.2.5</a:t>
                       </a:r>
                       <a:endParaRPr lang="fr-FR" dirty="0"/>
@@ -4751,7 +4751,7 @@
                     <a:lstStyle/>
                     <a:p>
                       <a:r>
-                        <a:rPr lang="en-US" dirty="0" smtClean="0"/>
+                        <a:rPr lang="en-US" b="0" i="0" strike="noStrike" dirty="0" smtClean="0"/>
                         <a:t>3.2.6</a:t>
                       </a:r>
                       <a:endParaRPr lang="fr-FR" dirty="0"/>
@@ -4767,7 +4767,7 @@
                     <a:lstStyle/>
                     <a:p>
                       <a:r>
-                        <a:rPr lang="en-US" dirty="0" smtClean="0"/>
+                        <a:rPr lang="en-US" b="0" i="0" strike="noStrike" dirty="0" smtClean="0"/>
                         <a:t>3.3.1</a:t>
                       </a:r>
                       <a:endParaRPr lang="fr-FR" dirty="0"/>
@@ -4798,7 +4798,7 @@
                         <a:defRPr/>
                       </a:pPr>
                       <a:r>
-                        <a:rPr lang="en-US" dirty="0" smtClean="0"/>
+                        <a:rPr lang="en-US" b="0" i="0" strike="noStrike" dirty="0" smtClean="0"/>
                         <a:t>3.3.2</a:t>
                       </a:r>
                       <a:endParaRPr lang="fr-FR" dirty="0" smtClean="0"/>
@@ -4812,7 +4812,7 @@
                     <a:lstStyle/>
                     <a:p>
                       <a:r>
-                        <a:rPr lang="en-US" dirty="0" smtClean="0"/>
+                        <a:rPr lang="en-US" b="0" i="0" strike="noStrike" dirty="0" smtClean="0"/>
                         <a:t>3.3.3</a:t>
                       </a:r>
                       <a:endParaRPr lang="fr-FR" dirty="0"/>
@@ -4826,7 +4826,7 @@
                     <a:lstStyle/>
                     <a:p>
                       <a:r>
-                        <a:rPr lang="en-US" dirty="0" smtClean="0"/>
+                        <a:rPr lang="en-US" b="0" i="0" strike="noStrike" dirty="0" smtClean="0"/>
                         <a:t>3.3.4</a:t>
                       </a:r>
                       <a:endParaRPr lang="fr-FR" dirty="0"/>
@@ -4840,7 +4840,7 @@
                     <a:lstStyle/>
                     <a:p>
                       <a:r>
-                        <a:rPr lang="en-US" dirty="0" smtClean="0"/>
+                        <a:rPr lang="en-US" b="0" i="0" strike="noStrike" dirty="0" smtClean="0"/>
                         <a:t>3.3.5</a:t>
                       </a:r>
                       <a:endParaRPr lang="fr-FR" dirty="0"/>
@@ -4854,7 +4854,7 @@
                     <a:lstStyle/>
                     <a:p>
                       <a:r>
-                        <a:rPr lang="en-US" dirty="0" smtClean="0"/>
+                        <a:rPr lang="en-US" b="0" i="0" strike="noStrike" dirty="0" smtClean="0"/>
                         <a:t>3.3.6</a:t>
                       </a:r>
                       <a:endParaRPr lang="fr-FR" dirty="0"/>
@@ -5022,7 +5022,7 @@
                     <a:lstStyle/>
                     <a:p>
                       <a:r>
-                        <a:rPr lang="en-US" sz="1800" b="0" i="0" u="none" dirty="0" smtClean="0"/>
+                        <a:rPr lang="en-US" sz="1800" b="0" i="0" u="none" strike="noStrike" dirty="0" smtClean="0"/>
                         <a:t>1.3.1</a:t>
                       </a:r>
                       <a:endParaRPr lang="fr-FR" sz="1800" b="0" i="0" u="none" dirty="0"/>
@@ -5053,7 +5053,7 @@
                         <a:defRPr/>
                       </a:pPr>
                       <a:r>
-                        <a:rPr lang="en-US" dirty="0" smtClean="0"/>
+                        <a:rPr lang="en-US" b="0" i="0" strike="noStrike" dirty="0" smtClean="0"/>
                         <a:t>1.3.2</a:t>
                       </a:r>
                       <a:endParaRPr lang="fr-FR" dirty="0" smtClean="0"/>
@@ -5067,7 +5067,7 @@
                     <a:lstStyle/>
                     <a:p>
                       <a:r>
-                        <a:rPr lang="en-US" dirty="0" smtClean="0"/>
+                        <a:rPr lang="en-US" b="0" i="0" strike="noStrike" dirty="0" smtClean="0"/>
                         <a:t>1.3.3</a:t>
                       </a:r>
                       <a:endParaRPr lang="fr-FR" dirty="0"/>
@@ -5081,7 +5081,7 @@
                     <a:lstStyle/>
                     <a:p>
                       <a:r>
-                        <a:rPr lang="en-US" dirty="0" smtClean="0"/>
+                        <a:rPr lang="en-US" b="0" i="0" strike="noStrike" dirty="0" smtClean="0"/>
                         <a:t>1.3.4</a:t>
                       </a:r>
                       <a:endParaRPr lang="fr-FR" dirty="0"/>
@@ -5095,7 +5095,7 @@
                     <a:lstStyle/>
                     <a:p>
                       <a:r>
-                        <a:rPr lang="en-US" dirty="0" smtClean="0"/>
+                        <a:rPr lang="en-US" b="0" i="0" strike="noStrike" dirty="0" smtClean="0"/>
                         <a:t>1.3.5</a:t>
                       </a:r>
                       <a:endParaRPr lang="fr-FR" dirty="0"/>
@@ -5109,7 +5109,7 @@
                     <a:lstStyle/>
                     <a:p>
                       <a:r>
-                        <a:rPr lang="en-US" dirty="0" smtClean="0"/>
+                        <a:rPr lang="en-US" b="0" i="0" strike="noStrike" dirty="0" smtClean="0"/>
                         <a:t>1.3.6</a:t>
                       </a:r>
                       <a:endParaRPr lang="fr-FR" dirty="0"/>
@@ -5125,7 +5125,7 @@
                     <a:lstStyle/>
                     <a:p>
                       <a:r>
-                        <a:rPr lang="en-US" dirty="0" smtClean="0"/>
+                        <a:rPr lang="en-US" b="0" i="0" strike="noStrike" dirty="0" smtClean="0"/>
                         <a:t>1.4.1</a:t>
                       </a:r>
                       <a:endParaRPr lang="fr-FR" dirty="0"/>
@@ -5156,7 +5156,7 @@
                         <a:defRPr/>
                       </a:pPr>
                       <a:r>
-                        <a:rPr lang="en-US" dirty="0" smtClean="0"/>
+                        <a:rPr lang="en-US" b="0" i="0" strike="noStrike" dirty="0" smtClean="0"/>
                         <a:t>1.4.2</a:t>
                       </a:r>
                       <a:endParaRPr lang="fr-FR" dirty="0" smtClean="0"/>
@@ -5170,7 +5170,7 @@
                     <a:lstStyle/>
                     <a:p>
                       <a:r>
-                        <a:rPr lang="en-US" dirty="0" smtClean="0"/>
+                        <a:rPr lang="en-US" b="0" i="0" strike="noStrike" dirty="0" smtClean="0"/>
                         <a:t>1.4.3</a:t>
                       </a:r>
                       <a:endParaRPr lang="fr-FR" dirty="0"/>
@@ -5184,7 +5184,7 @@
                     <a:lstStyle/>
                     <a:p>
                       <a:r>
-                        <a:rPr lang="en-US" dirty="0" smtClean="0"/>
+                        <a:rPr lang="en-US" b="0" i="0" strike="noStrike" dirty="0" smtClean="0"/>
                         <a:t>1.4.4</a:t>
                       </a:r>
                       <a:endParaRPr lang="fr-FR" dirty="0"/>
@@ -5198,7 +5198,7 @@
                     <a:lstStyle/>
                     <a:p>
                       <a:r>
-                        <a:rPr lang="en-US" dirty="0" smtClean="0"/>
+                        <a:rPr lang="en-US" b="0" i="0" strike="noStrike" dirty="0" smtClean="0"/>
                         <a:t>1.4.5</a:t>
                       </a:r>
                       <a:endParaRPr lang="fr-FR" dirty="0"/>
@@ -5212,7 +5212,7 @@
                     <a:lstStyle/>
                     <a:p>
                       <a:r>
-                        <a:rPr lang="en-US" dirty="0" smtClean="0"/>
+                        <a:rPr lang="en-US" b="0" i="0" strike="noStrike" dirty="0" smtClean="0"/>
                         <a:t>1.4.6</a:t>
                       </a:r>
                       <a:endParaRPr lang="fr-FR" dirty="0"/>
@@ -5228,7 +5228,7 @@
                     <a:lstStyle/>
                     <a:p>
                       <a:r>
-                        <a:rPr lang="en-US" dirty="0" smtClean="0"/>
+                        <a:rPr lang="en-US" b="0" i="0" strike="noStrike" dirty="0" smtClean="0"/>
                         <a:t>1.5.1</a:t>
                       </a:r>
                       <a:endParaRPr lang="fr-FR" dirty="0"/>
@@ -5259,7 +5259,7 @@
                         <a:defRPr/>
                       </a:pPr>
                       <a:r>
-                        <a:rPr lang="en-US" dirty="0" smtClean="0"/>
+                        <a:rPr lang="en-US" b="0" i="0" strike="noStrike" dirty="0" smtClean="0"/>
                         <a:t>1.5.2</a:t>
                       </a:r>
                       <a:endParaRPr lang="fr-FR" dirty="0" smtClean="0"/>
@@ -5273,7 +5273,7 @@
                     <a:lstStyle/>
                     <a:p>
                       <a:r>
-                        <a:rPr lang="en-US" dirty="0" smtClean="0"/>
+                        <a:rPr lang="en-US" b="0" i="0" strike="noStrike" dirty="0" smtClean="0"/>
                         <a:t>1.5.3</a:t>
                       </a:r>
                       <a:endParaRPr lang="fr-FR" dirty="0"/>
@@ -5287,7 +5287,7 @@
                     <a:lstStyle/>
                     <a:p>
                       <a:r>
-                        <a:rPr lang="en-US" dirty="0" smtClean="0"/>
+                        <a:rPr lang="en-US" b="0" i="0" strike="noStrike" dirty="0" smtClean="0"/>
                         <a:t>1.5.4</a:t>
                       </a:r>
                       <a:endParaRPr lang="fr-FR" dirty="0"/>
@@ -5301,7 +5301,7 @@
                     <a:lstStyle/>
                     <a:p>
                       <a:r>
-                        <a:rPr lang="en-US" dirty="0" smtClean="0"/>
+                        <a:rPr lang="en-US" b="0" i="0" strike="noStrike" dirty="0" smtClean="0"/>
                         <a:t>1.5.5</a:t>
                       </a:r>
                       <a:endParaRPr lang="fr-FR" dirty="0"/>
@@ -5315,7 +5315,7 @@
                     <a:lstStyle/>
                     <a:p>
                       <a:r>
-                        <a:rPr lang="en-US" dirty="0" smtClean="0"/>
+                        <a:rPr lang="en-US" b="0" i="0" strike="noStrike" dirty="0" smtClean="0"/>
                         <a:t>1.5.6</a:t>
                       </a:r>
                       <a:endParaRPr lang="fr-FR" dirty="0"/>
@@ -5453,7 +5453,7 @@
                     <a:lstStyle/>
                     <a:p>
                       <a:r>
-                        <a:rPr lang="en-US" dirty="0" smtClean="0"/>
+                        <a:rPr lang="en-US" b="0" i="0" strike="noStrike" dirty="0" smtClean="0"/>
                         <a:t>2.4.1</a:t>
                       </a:r>
                       <a:endParaRPr lang="fr-FR" dirty="0"/>
@@ -5484,7 +5484,7 @@
                         <a:defRPr/>
                       </a:pPr>
                       <a:r>
-                        <a:rPr lang="en-US" dirty="0" smtClean="0"/>
+                        <a:rPr lang="en-US" b="0" i="0" strike="noStrike" dirty="0" smtClean="0"/>
                         <a:t>2.4.2</a:t>
                       </a:r>
                       <a:endParaRPr lang="fr-FR" dirty="0" smtClean="0"/>
@@ -5498,7 +5498,7 @@
                     <a:lstStyle/>
                     <a:p>
                       <a:r>
-                        <a:rPr lang="en-US" dirty="0" smtClean="0"/>
+                        <a:rPr lang="en-US" b="0" i="0" strike="noStrike" dirty="0" smtClean="0"/>
                         <a:t>2.4.3</a:t>
                       </a:r>
                       <a:endParaRPr lang="fr-FR" dirty="0"/>
@@ -5512,7 +5512,7 @@
                     <a:lstStyle/>
                     <a:p>
                       <a:r>
-                        <a:rPr lang="en-US" dirty="0" smtClean="0"/>
+                        <a:rPr lang="en-US" b="0" i="0" strike="noStrike" dirty="0" smtClean="0"/>
                         <a:t>2.4.4</a:t>
                       </a:r>
                       <a:endParaRPr lang="fr-FR" dirty="0"/>
@@ -5526,7 +5526,7 @@
                     <a:lstStyle/>
                     <a:p>
                       <a:r>
-                        <a:rPr lang="en-US" dirty="0" smtClean="0"/>
+                        <a:rPr lang="en-US" b="0" i="0" strike="noStrike" dirty="0" smtClean="0"/>
                         <a:t>2.4.5</a:t>
                       </a:r>
                       <a:endParaRPr lang="fr-FR" dirty="0"/>
@@ -5540,7 +5540,7 @@
                     <a:lstStyle/>
                     <a:p>
                       <a:r>
-                        <a:rPr lang="en-US" dirty="0" smtClean="0"/>
+                        <a:rPr lang="en-US" b="0" i="0" strike="noStrike" dirty="0" smtClean="0"/>
                         <a:t>2.4.6</a:t>
                       </a:r>
                       <a:endParaRPr lang="fr-FR" dirty="0"/>
@@ -5556,7 +5556,7 @@
                     <a:lstStyle/>
                     <a:p>
                       <a:r>
-                        <a:rPr lang="en-US" dirty="0" smtClean="0"/>
+                        <a:rPr lang="en-US" b="0" i="0" strike="noStrike" dirty="0" smtClean="0"/>
                         <a:t>2.5.1</a:t>
                       </a:r>
                       <a:endParaRPr lang="fr-FR" dirty="0"/>
@@ -5587,7 +5587,7 @@
                         <a:defRPr/>
                       </a:pPr>
                       <a:r>
-                        <a:rPr lang="en-US" dirty="0" smtClean="0"/>
+                        <a:rPr lang="en-US" b="0" i="0" strike="noStrike" dirty="0" smtClean="0"/>
                         <a:t>2.5.2</a:t>
                       </a:r>
                       <a:endParaRPr lang="fr-FR" dirty="0" smtClean="0"/>
@@ -5601,7 +5601,7 @@
                     <a:lstStyle/>
                     <a:p>
                       <a:r>
-                        <a:rPr lang="en-US" dirty="0" smtClean="0"/>
+                        <a:rPr lang="en-US" b="0" i="0" strike="noStrike" dirty="0" smtClean="0"/>
                         <a:t>2.5.3</a:t>
                       </a:r>
                       <a:endParaRPr lang="fr-FR" dirty="0"/>
@@ -5615,7 +5615,7 @@
                     <a:lstStyle/>
                     <a:p>
                       <a:r>
-                        <a:rPr lang="en-US" dirty="0" smtClean="0"/>
+                        <a:rPr lang="en-US" b="0" i="0" strike="noStrike" dirty="0" smtClean="0"/>
                         <a:t>2.5.4</a:t>
                       </a:r>
                       <a:endParaRPr lang="fr-FR" dirty="0"/>
@@ -5629,7 +5629,7 @@
                     <a:lstStyle/>
                     <a:p>
                       <a:r>
-                        <a:rPr lang="en-US" dirty="0" smtClean="0"/>
+                        <a:rPr lang="en-US" b="0" i="0" strike="noStrike" dirty="0" smtClean="0"/>
                         <a:t>2.5.5</a:t>
                       </a:r>
                       <a:endParaRPr lang="fr-FR" dirty="0"/>
@@ -5643,7 +5643,7 @@
                     <a:lstStyle/>
                     <a:p>
                       <a:r>
-                        <a:rPr lang="en-US" dirty="0" smtClean="0"/>
+                        <a:rPr lang="en-US" b="0" i="0" strike="noStrike" dirty="0" smtClean="0"/>
                         <a:t>2.5.6</a:t>
                       </a:r>
                       <a:endParaRPr lang="fr-FR" dirty="0"/>
@@ -5659,7 +5659,7 @@
                     <a:lstStyle/>
                     <a:p>
                       <a:r>
-                        <a:rPr lang="en-US" dirty="0" smtClean="0"/>
+                        <a:rPr lang="en-US" b="0" i="0" strike="noStrike" dirty="0" smtClean="0"/>
                         <a:t>2.6.1</a:t>
                       </a:r>
                       <a:endParaRPr lang="fr-FR" dirty="0"/>
@@ -5690,7 +5690,7 @@
                         <a:defRPr/>
                       </a:pPr>
                       <a:r>
-                        <a:rPr lang="en-US" dirty="0" smtClean="0"/>
+                        <a:rPr lang="en-US" b="0" i="0" strike="noStrike" dirty="0" smtClean="0"/>
                         <a:t>2.6.2</a:t>
                       </a:r>
                       <a:endParaRPr lang="fr-FR" dirty="0" smtClean="0"/>
@@ -5704,7 +5704,7 @@
                     <a:lstStyle/>
                     <a:p>
                       <a:r>
-                        <a:rPr lang="en-US" dirty="0" smtClean="0"/>
+                        <a:rPr lang="en-US" b="0" i="0" strike="noStrike" dirty="0" smtClean="0"/>
                         <a:t>2.6.3</a:t>
                       </a:r>
                       <a:endParaRPr lang="fr-FR" dirty="0"/>
@@ -5718,7 +5718,7 @@
                     <a:lstStyle/>
                     <a:p>
                       <a:r>
-                        <a:rPr lang="en-US" dirty="0" smtClean="0"/>
+                        <a:rPr lang="en-US" b="0" i="0" strike="noStrike" dirty="0" smtClean="0"/>
                         <a:t>2.6.4</a:t>
                       </a:r>
                       <a:endParaRPr lang="fr-FR" dirty="0"/>
@@ -5732,7 +5732,7 @@
                     <a:lstStyle/>
                     <a:p>
                       <a:r>
-                        <a:rPr lang="en-US" dirty="0" smtClean="0"/>
+                        <a:rPr lang="en-US" b="0" i="0" strike="noStrike" dirty="0" smtClean="0"/>
                         <a:t>2.6.5</a:t>
                       </a:r>
                       <a:endParaRPr lang="fr-FR" dirty="0"/>
@@ -5746,7 +5746,7 @@
                     <a:lstStyle/>
                     <a:p>
                       <a:r>
-                        <a:rPr lang="en-US" dirty="0" smtClean="0"/>
+                        <a:rPr lang="en-US" b="0" i="0" strike="noStrike" dirty="0" smtClean="0"/>
                         <a:t>2.6.6</a:t>
                       </a:r>
                       <a:endParaRPr lang="fr-FR" dirty="0"/>
@@ -5762,7 +5762,7 @@
                     <a:lstStyle/>
                     <a:p>
                       <a:r>
-                        <a:rPr lang="en-US" dirty="0" smtClean="0"/>
+                        <a:rPr lang="en-US" b="0" i="0" strike="noStrike" dirty="0" smtClean="0"/>
                         <a:t>2.7.1</a:t>
                       </a:r>
                       <a:endParaRPr lang="fr-FR" dirty="0"/>
@@ -5793,7 +5793,7 @@
                         <a:defRPr/>
                       </a:pPr>
                       <a:r>
-                        <a:rPr lang="en-US" dirty="0" smtClean="0"/>
+                        <a:rPr lang="en-US" b="0" i="0" strike="noStrike" dirty="0" smtClean="0"/>
                         <a:t>2.7.2</a:t>
                       </a:r>
                       <a:endParaRPr lang="fr-FR" dirty="0" smtClean="0"/>
@@ -5807,7 +5807,7 @@
                     <a:lstStyle/>
                     <a:p>
                       <a:r>
-                        <a:rPr lang="en-US" dirty="0" smtClean="0"/>
+                        <a:rPr lang="en-US" b="0" i="0" strike="noStrike" dirty="0" smtClean="0"/>
                         <a:t>2.7.3</a:t>
                       </a:r>
                       <a:endParaRPr lang="fr-FR" dirty="0"/>
@@ -5821,7 +5821,7 @@
                     <a:lstStyle/>
                     <a:p>
                       <a:r>
-                        <a:rPr lang="en-US" dirty="0" smtClean="0"/>
+                        <a:rPr lang="en-US" b="0" i="0" strike="noStrike" dirty="0" smtClean="0"/>
                         <a:t>2.7.4</a:t>
                       </a:r>
                       <a:endParaRPr lang="fr-FR" dirty="0"/>
@@ -5835,7 +5835,7 @@
                     <a:lstStyle/>
                     <a:p>
                       <a:r>
-                        <a:rPr lang="en-US" dirty="0" smtClean="0"/>
+                        <a:rPr lang="en-US" b="0" i="0" strike="noStrike" dirty="0" smtClean="0"/>
                         <a:t>2.7.5</a:t>
                       </a:r>
                       <a:endParaRPr lang="fr-FR" dirty="0"/>
@@ -5849,7 +5849,7 @@
                     <a:lstStyle/>
                     <a:p>
                       <a:r>
-                        <a:rPr lang="en-US" dirty="0" smtClean="0"/>
+                        <a:rPr lang="en-US" b="0" i="0" strike="noStrike" dirty="0" smtClean="0"/>
                         <a:t>2.7.6</a:t>
                       </a:r>
                       <a:endParaRPr lang="fr-FR" dirty="0"/>
@@ -5987,7 +5987,7 @@
                     <a:lstStyle/>
                     <a:p>
                       <a:r>
-                        <a:rPr lang="en-US" dirty="0" smtClean="0"/>
+                        <a:rPr lang="en-US" b="0" i="0" strike="noStrike" dirty="0" smtClean="0"/>
                         <a:t>3.4.1</a:t>
                       </a:r>
                       <a:endParaRPr lang="fr-FR" dirty="0"/>
@@ -6018,7 +6018,7 @@
                         <a:defRPr/>
                       </a:pPr>
                       <a:r>
-                        <a:rPr lang="en-US" dirty="0" smtClean="0"/>
+                        <a:rPr lang="en-US" b="0" i="0" strike="noStrike" dirty="0" smtClean="0"/>
                         <a:t>3.4.2</a:t>
                       </a:r>
                       <a:endParaRPr lang="fr-FR" dirty="0" smtClean="0"/>
@@ -6032,7 +6032,7 @@
                     <a:lstStyle/>
                     <a:p>
                       <a:r>
-                        <a:rPr lang="en-US" dirty="0" smtClean="0"/>
+                        <a:rPr lang="en-US" b="0" i="0" strike="noStrike" dirty="0" smtClean="0"/>
                         <a:t>3.4.3</a:t>
                       </a:r>
                       <a:endParaRPr lang="fr-FR" dirty="0"/>
@@ -6046,7 +6046,7 @@
                     <a:lstStyle/>
                     <a:p>
                       <a:r>
-                        <a:rPr lang="en-US" dirty="0" smtClean="0"/>
+                        <a:rPr lang="en-US" b="0" i="0" strike="noStrike" dirty="0" smtClean="0"/>
                         <a:t>3.4.4</a:t>
                       </a:r>
                       <a:endParaRPr lang="fr-FR" dirty="0"/>
@@ -6060,7 +6060,7 @@
                     <a:lstStyle/>
                     <a:p>
                       <a:r>
-                        <a:rPr lang="en-US" dirty="0" smtClean="0"/>
+                        <a:rPr lang="en-US" b="0" i="0" strike="noStrike" dirty="0" smtClean="0"/>
                         <a:t>3.4.5</a:t>
                       </a:r>
                       <a:endParaRPr lang="fr-FR" dirty="0"/>
@@ -6074,7 +6074,7 @@
                     <a:lstStyle/>
                     <a:p>
                       <a:r>
-                        <a:rPr lang="en-US" dirty="0" smtClean="0"/>
+                        <a:rPr lang="en-US" b="0" i="0" strike="noStrike" dirty="0" smtClean="0"/>
                         <a:t>3.4.6</a:t>
                       </a:r>
                       <a:endParaRPr lang="fr-FR" dirty="0"/>
@@ -6090,7 +6090,7 @@
                     <a:lstStyle/>
                     <a:p>
                       <a:r>
-                        <a:rPr lang="en-US" dirty="0" smtClean="0"/>
+                        <a:rPr lang="en-US" b="0" i="0" strike="noStrike" dirty="0" smtClean="0"/>
                         <a:t>3.5.1</a:t>
                       </a:r>
                       <a:endParaRPr lang="fr-FR" dirty="0"/>
@@ -6121,7 +6121,7 @@
                         <a:defRPr/>
                       </a:pPr>
                       <a:r>
-                        <a:rPr lang="en-US" dirty="0" smtClean="0"/>
+                        <a:rPr lang="en-US" b="0" i="0" strike="noStrike" dirty="0" smtClean="0"/>
                         <a:t>3.5.2</a:t>
                       </a:r>
                       <a:endParaRPr lang="fr-FR" dirty="0" smtClean="0"/>
@@ -6135,7 +6135,7 @@
                     <a:lstStyle/>
                     <a:p>
                       <a:r>
-                        <a:rPr lang="en-US" dirty="0" smtClean="0"/>
+                        <a:rPr lang="en-US" b="0" i="0" strike="noStrike" dirty="0" smtClean="0"/>
                         <a:t>3.5.3</a:t>
                       </a:r>
                       <a:endParaRPr lang="fr-FR" dirty="0"/>
@@ -6149,7 +6149,7 @@
                     <a:lstStyle/>
                     <a:p>
                       <a:r>
-                        <a:rPr lang="en-US" dirty="0" smtClean="0"/>
+                        <a:rPr lang="en-US" b="0" i="0" strike="noStrike" dirty="0" smtClean="0"/>
                         <a:t>3.5.4</a:t>
                       </a:r>
                       <a:endParaRPr lang="fr-FR" dirty="0"/>
@@ -6163,7 +6163,7 @@
                     <a:lstStyle/>
                     <a:p>
                       <a:r>
-                        <a:rPr lang="en-US" dirty="0" smtClean="0"/>
+                        <a:rPr lang="en-US" b="0" i="0" strike="noStrike" dirty="0" smtClean="0"/>
                         <a:t>3.5.5</a:t>
                       </a:r>
                       <a:endParaRPr lang="fr-FR" dirty="0"/>
@@ -6177,7 +6177,7 @@
                     <a:lstStyle/>
                     <a:p>
                       <a:r>
-                        <a:rPr lang="en-US" dirty="0" smtClean="0"/>
+                        <a:rPr lang="en-US" b="0" i="0" strike="noStrike" dirty="0" smtClean="0"/>
                         <a:t>3.5.6</a:t>
                       </a:r>
                       <a:endParaRPr lang="fr-FR" dirty="0"/>
@@ -6193,7 +6193,7 @@
                     <a:lstStyle/>
                     <a:p>
                       <a:r>
-                        <a:rPr lang="en-US" dirty="0" smtClean="0"/>
+                        <a:rPr lang="en-US" b="0" i="0" strike="noStrike" dirty="0" smtClean="0"/>
                         <a:t>3.6.1</a:t>
                       </a:r>
                       <a:endParaRPr lang="fr-FR" dirty="0"/>
@@ -6224,7 +6224,7 @@
                         <a:defRPr/>
                       </a:pPr>
                       <a:r>
-                        <a:rPr lang="en-US" dirty="0" smtClean="0"/>
+                        <a:rPr lang="en-US" b="0" i="0" strike="noStrike" dirty="0" smtClean="0"/>
                         <a:t>3.6.2</a:t>
                       </a:r>
                       <a:endParaRPr lang="fr-FR" dirty="0" smtClean="0"/>
@@ -6238,7 +6238,7 @@
                     <a:lstStyle/>
                     <a:p>
                       <a:r>
-                        <a:rPr lang="en-US" dirty="0" smtClean="0"/>
+                        <a:rPr lang="en-US" b="0" i="0" strike="noStrike" dirty="0" smtClean="0"/>
                         <a:t>3.6.3</a:t>
                       </a:r>
                       <a:endParaRPr lang="fr-FR" dirty="0"/>
@@ -6252,7 +6252,7 @@
                     <a:lstStyle/>
                     <a:p>
                       <a:r>
-                        <a:rPr lang="en-US" dirty="0" smtClean="0"/>
+                        <a:rPr lang="en-US" b="0" i="0" strike="noStrike" dirty="0" smtClean="0"/>
                         <a:t>3.6.4</a:t>
                       </a:r>
                       <a:endParaRPr lang="fr-FR" dirty="0"/>
@@ -6266,7 +6266,7 @@
                     <a:lstStyle/>
                     <a:p>
                       <a:r>
-                        <a:rPr lang="en-US" dirty="0" smtClean="0"/>
+                        <a:rPr lang="en-US" b="0" i="0" strike="noStrike" dirty="0" smtClean="0"/>
                         <a:t>3.6.5</a:t>
                       </a:r>
                       <a:endParaRPr lang="fr-FR" dirty="0"/>
@@ -6280,7 +6280,7 @@
                     <a:lstStyle/>
                     <a:p>
                       <a:r>
-                        <a:rPr lang="en-US" dirty="0" smtClean="0"/>
+                        <a:rPr lang="en-US" b="0" i="0" strike="noStrike" dirty="0" smtClean="0"/>
                         <a:t>3.6.6</a:t>
                       </a:r>
                       <a:endParaRPr lang="fr-FR" dirty="0"/>
@@ -6296,7 +6296,7 @@
                     <a:lstStyle/>
                     <a:p>
                       <a:r>
-                        <a:rPr lang="en-US" dirty="0" smtClean="0"/>
+                        <a:rPr lang="en-US" b="0" i="0" strike="noStrike" dirty="0" smtClean="0"/>
                         <a:t>3.7.1</a:t>
                       </a:r>
                       <a:endParaRPr lang="fr-FR" dirty="0"/>
@@ -6327,7 +6327,7 @@
                         <a:defRPr/>
                       </a:pPr>
                       <a:r>
-                        <a:rPr lang="en-US" dirty="0" smtClean="0"/>
+                        <a:rPr lang="en-US" b="0" i="0" strike="noStrike" dirty="0" smtClean="0"/>
                         <a:t>3.7.2</a:t>
                       </a:r>
                       <a:endParaRPr lang="fr-FR" dirty="0" smtClean="0"/>
@@ -6341,7 +6341,7 @@
                     <a:lstStyle/>
                     <a:p>
                       <a:r>
-                        <a:rPr lang="en-US" dirty="0" smtClean="0"/>
+                        <a:rPr lang="en-US" b="0" i="0" strike="noStrike" dirty="0" smtClean="0"/>
                         <a:t>3.7.3</a:t>
                       </a:r>
                       <a:endParaRPr lang="fr-FR" dirty="0"/>
@@ -6355,7 +6355,7 @@
                     <a:lstStyle/>
                     <a:p>
                       <a:r>
-                        <a:rPr lang="en-US" dirty="0" smtClean="0"/>
+                        <a:rPr lang="en-US" b="0" i="0" strike="noStrike" dirty="0" smtClean="0"/>
                         <a:t>3.7.4</a:t>
                       </a:r>
                       <a:endParaRPr lang="fr-FR" dirty="0"/>
@@ -6369,7 +6369,7 @@
                     <a:lstStyle/>
                     <a:p>
                       <a:r>
-                        <a:rPr lang="en-US" dirty="0" smtClean="0"/>
+                        <a:rPr lang="en-US" b="0" i="0" strike="noStrike" dirty="0" smtClean="0"/>
                         <a:t>3.7.5</a:t>
                       </a:r>
                       <a:endParaRPr lang="fr-FR" dirty="0"/>
@@ -6383,7 +6383,7 @@
                     <a:lstStyle/>
                     <a:p>
                       <a:r>
-                        <a:rPr lang="en-US" dirty="0" smtClean="0"/>
+                        <a:rPr lang="en-US" b="0" i="0" strike="noStrike" dirty="0" smtClean="0"/>
                         <a:t>3.7.6</a:t>
                       </a:r>
                       <a:endParaRPr lang="fr-FR" dirty="0"/>
@@ -6551,7 +6551,7 @@
                     <a:lstStyle/>
                     <a:p>
                       <a:r>
-                        <a:rPr lang="en-US" sz="1800" b="0" i="0" u="none" dirty="0" smtClean="0"/>
+                        <a:rPr lang="en-US" sz="1800" b="0" i="0" u="none" strike="noStrike" dirty="0" smtClean="0"/>
                         <a:t>1.6.1</a:t>
                       </a:r>
                       <a:endParaRPr lang="fr-FR" sz="1800" b="0" i="0" u="none" dirty="0"/>
@@ -6582,7 +6582,7 @@
                         <a:defRPr/>
                       </a:pPr>
                       <a:r>
-                        <a:rPr lang="en-US" dirty="0" smtClean="0"/>
+                        <a:rPr lang="en-US" b="0" i="0" strike="noStrike" dirty="0" smtClean="0"/>
                         <a:t>1.6.2</a:t>
                       </a:r>
                       <a:endParaRPr lang="fr-FR" dirty="0" smtClean="0"/>
@@ -6596,7 +6596,7 @@
                     <a:lstStyle/>
                     <a:p>
                       <a:r>
-                        <a:rPr lang="en-US" dirty="0" smtClean="0"/>
+                        <a:rPr lang="en-US" b="0" i="0" strike="noStrike" dirty="0" smtClean="0"/>
                         <a:t>1.6.3</a:t>
                       </a:r>
                       <a:endParaRPr lang="fr-FR" dirty="0"/>
@@ -6610,7 +6610,7 @@
                     <a:lstStyle/>
                     <a:p>
                       <a:r>
-                        <a:rPr lang="en-US" dirty="0" smtClean="0"/>
+                        <a:rPr lang="en-US" b="0" i="0" strike="noStrike" dirty="0" smtClean="0"/>
                         <a:t>1.6.4</a:t>
                       </a:r>
                       <a:endParaRPr lang="fr-FR" dirty="0"/>
@@ -6624,7 +6624,7 @@
                     <a:lstStyle/>
                     <a:p>
                       <a:r>
-                        <a:rPr lang="en-US" dirty="0" smtClean="0"/>
+                        <a:rPr lang="en-US" b="0" i="0" strike="noStrike" dirty="0" smtClean="0"/>
                         <a:t>1.6.5</a:t>
                       </a:r>
                       <a:endParaRPr lang="fr-FR" dirty="0"/>
@@ -6638,7 +6638,7 @@
                     <a:lstStyle/>
                     <a:p>
                       <a:r>
-                        <a:rPr lang="en-US" dirty="0" smtClean="0"/>
+                        <a:rPr lang="en-US" b="0" i="0" strike="noStrike" dirty="0" smtClean="0"/>
                         <a:t>1.6.6</a:t>
                       </a:r>
                       <a:endParaRPr lang="fr-FR" dirty="0"/>
@@ -6654,7 +6654,7 @@
                     <a:lstStyle/>
                     <a:p>
                       <a:r>
-                        <a:rPr lang="en-US" dirty="0" smtClean="0"/>
+                        <a:rPr lang="en-US" b="0" i="0" strike="noStrike" dirty="0" smtClean="0"/>
                         <a:t>1.7.1</a:t>
                       </a:r>
                       <a:endParaRPr lang="fr-FR" dirty="0"/>
@@ -6685,7 +6685,7 @@
                         <a:defRPr/>
                       </a:pPr>
                       <a:r>
-                        <a:rPr lang="en-US" dirty="0" smtClean="0"/>
+                        <a:rPr lang="en-US" b="0" i="0" strike="noStrike" dirty="0" smtClean="0"/>
                         <a:t>1.7.2</a:t>
                       </a:r>
                       <a:endParaRPr lang="fr-FR" dirty="0" smtClean="0"/>
@@ -6699,7 +6699,7 @@
                     <a:lstStyle/>
                     <a:p>
                       <a:r>
-                        <a:rPr lang="en-US" dirty="0" smtClean="0"/>
+                        <a:rPr lang="en-US" b="0" i="0" strike="noStrike" dirty="0" smtClean="0"/>
                         <a:t>1.7.3</a:t>
                       </a:r>
                       <a:endParaRPr lang="fr-FR" dirty="0"/>
@@ -6713,7 +6713,7 @@
                     <a:lstStyle/>
                     <a:p>
                       <a:r>
-                        <a:rPr lang="en-US" dirty="0" smtClean="0"/>
+                        <a:rPr lang="en-US" b="0" i="0" strike="noStrike" dirty="0" smtClean="0"/>
                         <a:t>1.7.4</a:t>
                       </a:r>
                       <a:endParaRPr lang="fr-FR" dirty="0"/>
@@ -6727,7 +6727,7 @@
                     <a:lstStyle/>
                     <a:p>
                       <a:r>
-                        <a:rPr lang="en-US" dirty="0" smtClean="0"/>
+                        <a:rPr lang="en-US" b="0" i="0" strike="noStrike" dirty="0" smtClean="0"/>
                         <a:t>1.7.5</a:t>
                       </a:r>
                       <a:endParaRPr lang="fr-FR" dirty="0"/>
@@ -6741,7 +6741,7 @@
                     <a:lstStyle/>
                     <a:p>
                       <a:r>
-                        <a:rPr lang="en-US" dirty="0" smtClean="0"/>
+                        <a:rPr lang="en-US" b="0" i="0" strike="noStrike" dirty="0" smtClean="0"/>
                         <a:t>1.7.6</a:t>
                       </a:r>
                       <a:endParaRPr lang="fr-FR" dirty="0"/>
@@ -6757,7 +6757,7 @@
                     <a:lstStyle/>
                     <a:p>
                       <a:r>
-                        <a:rPr lang="en-US" dirty="0" smtClean="0"/>
+                        <a:rPr lang="en-US" b="0" i="0" strike="noStrike" dirty="0" smtClean="0"/>
                         <a:t>1.8.1</a:t>
                       </a:r>
                       <a:endParaRPr lang="fr-FR" dirty="0"/>
@@ -6788,7 +6788,7 @@
                         <a:defRPr/>
                       </a:pPr>
                       <a:r>
-                        <a:rPr lang="en-US" dirty="0" smtClean="0"/>
+                        <a:rPr lang="en-US" b="0" i="0" strike="noStrike" dirty="0" smtClean="0"/>
                         <a:t>1.8.2</a:t>
                       </a:r>
                       <a:endParaRPr lang="fr-FR" dirty="0" smtClean="0"/>
@@ -6802,7 +6802,7 @@
                     <a:lstStyle/>
                     <a:p>
                       <a:r>
-                        <a:rPr lang="en-US" dirty="0" smtClean="0"/>
+                        <a:rPr lang="en-US" b="0" i="0" strike="noStrike" dirty="0" smtClean="0"/>
                         <a:t>1.8.3</a:t>
                       </a:r>
                       <a:endParaRPr lang="fr-FR" dirty="0"/>
@@ -6816,7 +6816,7 @@
                     <a:lstStyle/>
                     <a:p>
                       <a:r>
-                        <a:rPr lang="en-US" dirty="0" smtClean="0"/>
+                        <a:rPr lang="en-US" b="0" i="0" strike="noStrike" dirty="0" smtClean="0"/>
                         <a:t>1.8.4</a:t>
                       </a:r>
                       <a:endParaRPr lang="fr-FR" dirty="0"/>
@@ -6830,7 +6830,7 @@
                     <a:lstStyle/>
                     <a:p>
                       <a:r>
-                        <a:rPr lang="en-US" dirty="0" smtClean="0"/>
+                        <a:rPr lang="en-US" b="0" i="0" strike="noStrike" dirty="0" smtClean="0"/>
                         <a:t>1.8.5</a:t>
                       </a:r>
                       <a:endParaRPr lang="fr-FR" dirty="0"/>
@@ -6844,7 +6844,7 @@
                     <a:lstStyle/>
                     <a:p>
                       <a:r>
-                        <a:rPr lang="en-US" dirty="0" smtClean="0"/>
+                        <a:rPr lang="en-US" b="0" i="0" strike="noStrike" dirty="0" smtClean="0"/>
                         <a:t>1.8.6</a:t>
                       </a:r>
                       <a:endParaRPr lang="fr-FR" dirty="0"/>
@@ -6982,7 +6982,7 @@
                     <a:lstStyle/>
                     <a:p>
                       <a:r>
-                        <a:rPr lang="en-US" dirty="0" smtClean="0"/>
+                        <a:rPr lang="en-US" b="0" i="0" strike="noStrike" dirty="0" smtClean="0"/>
                         <a:t>2.8.1</a:t>
                       </a:r>
                       <a:endParaRPr lang="fr-FR" dirty="0"/>
@@ -7013,7 +7013,7 @@
                         <a:defRPr/>
                       </a:pPr>
                       <a:r>
-                        <a:rPr lang="en-US" dirty="0" smtClean="0"/>
+                        <a:rPr lang="en-US" b="0" i="0" strike="noStrike" dirty="0" smtClean="0"/>
                         <a:t>2.8.2</a:t>
                       </a:r>
                       <a:endParaRPr lang="fr-FR" dirty="0" smtClean="0"/>
@@ -7027,7 +7027,7 @@
                     <a:lstStyle/>
                     <a:p>
                       <a:r>
-                        <a:rPr lang="en-US" dirty="0" smtClean="0"/>
+                        <a:rPr lang="en-US" b="0" i="0" strike="noStrike" dirty="0" smtClean="0"/>
                         <a:t>2.8.3</a:t>
                       </a:r>
                       <a:endParaRPr lang="fr-FR" dirty="0"/>
@@ -7041,7 +7041,7 @@
                     <a:lstStyle/>
                     <a:p>
                       <a:r>
-                        <a:rPr lang="en-US" dirty="0" smtClean="0"/>
+                        <a:rPr lang="en-US" b="0" i="0" strike="noStrike" dirty="0" smtClean="0"/>
                         <a:t>2.8.4</a:t>
                       </a:r>
                       <a:endParaRPr lang="fr-FR" dirty="0"/>
@@ -7055,7 +7055,7 @@
                     <a:lstStyle/>
                     <a:p>
                       <a:r>
-                        <a:rPr lang="en-US" dirty="0" smtClean="0"/>
+                        <a:rPr lang="en-US" b="0" i="0" strike="noStrike" dirty="0" smtClean="0"/>
                         <a:t>2.8.5</a:t>
                       </a:r>
                       <a:endParaRPr lang="fr-FR" dirty="0"/>
@@ -7069,7 +7069,7 @@
                     <a:lstStyle/>
                     <a:p>
                       <a:r>
-                        <a:rPr lang="en-US" dirty="0" smtClean="0"/>
+                        <a:rPr lang="en-US" b="0" i="0" strike="noStrike" dirty="0" smtClean="0"/>
                         <a:t>2.8.6</a:t>
                       </a:r>
                       <a:endParaRPr lang="fr-FR" dirty="0"/>
@@ -7085,7 +7085,7 @@
                     <a:lstStyle/>
                     <a:p>
                       <a:r>
-                        <a:rPr lang="en-US" dirty="0" smtClean="0"/>
+                        <a:rPr lang="en-US" b="0" i="0" strike="noStrike" dirty="0" smtClean="0"/>
                         <a:t>2.9.1</a:t>
                       </a:r>
                       <a:endParaRPr lang="fr-FR" dirty="0"/>
@@ -7116,7 +7116,7 @@
                         <a:defRPr/>
                       </a:pPr>
                       <a:r>
-                        <a:rPr lang="en-US" dirty="0" smtClean="0"/>
+                        <a:rPr lang="en-US" b="0" i="0" strike="noStrike" dirty="0" smtClean="0"/>
                         <a:t>2.9.2</a:t>
                       </a:r>
                       <a:endParaRPr lang="fr-FR" dirty="0" smtClean="0"/>
@@ -7130,7 +7130,7 @@
                     <a:lstStyle/>
                     <a:p>
                       <a:r>
-                        <a:rPr lang="en-US" dirty="0" smtClean="0"/>
+                        <a:rPr lang="en-US" b="0" i="0" strike="noStrike" dirty="0" smtClean="0"/>
                         <a:t>2.9.3</a:t>
                       </a:r>
                       <a:endParaRPr lang="fr-FR" dirty="0"/>
@@ -7144,7 +7144,7 @@
                     <a:lstStyle/>
                     <a:p>
                       <a:r>
-                        <a:rPr lang="en-US" dirty="0" smtClean="0"/>
+                        <a:rPr lang="en-US" b="0" i="0" strike="noStrike" dirty="0" smtClean="0"/>
                         <a:t>2.9.4</a:t>
                       </a:r>
                       <a:endParaRPr lang="fr-FR" dirty="0"/>
@@ -7158,7 +7158,7 @@
                     <a:lstStyle/>
                     <a:p>
                       <a:r>
-                        <a:rPr lang="en-US" dirty="0" smtClean="0"/>
+                        <a:rPr lang="en-US" b="0" i="0" strike="noStrike" dirty="0" smtClean="0"/>
                         <a:t>2.9.5</a:t>
                       </a:r>
                       <a:endParaRPr lang="fr-FR" dirty="0"/>
@@ -7172,7 +7172,7 @@
                     <a:lstStyle/>
                     <a:p>
                       <a:r>
-                        <a:rPr lang="en-US" dirty="0" smtClean="0"/>
+                        <a:rPr lang="en-US" b="0" i="0" strike="noStrike" dirty="0" smtClean="0"/>
                         <a:t>2.9.6</a:t>
                       </a:r>
                       <a:endParaRPr lang="fr-FR" dirty="0"/>
@@ -7310,7 +7310,7 @@
                     <a:lstStyle/>
                     <a:p>
                       <a:r>
-                        <a:rPr lang="en-US" dirty="0" smtClean="0"/>
+                        <a:rPr lang="en-US" b="0" i="0" strike="noStrike" dirty="0" smtClean="0"/>
                         <a:t>3.8.1</a:t>
                       </a:r>
                       <a:endParaRPr lang="fr-FR" dirty="0"/>
@@ -7341,7 +7341,7 @@
                         <a:defRPr/>
                       </a:pPr>
                       <a:r>
-                        <a:rPr lang="en-US" dirty="0" smtClean="0"/>
+                        <a:rPr lang="en-US" b="0" i="0" strike="noStrike" dirty="0" smtClean="0"/>
                         <a:t>3.8.2</a:t>
                       </a:r>
                       <a:endParaRPr lang="fr-FR" dirty="0" smtClean="0"/>
@@ -7355,7 +7355,7 @@
                     <a:lstStyle/>
                     <a:p>
                       <a:r>
-                        <a:rPr lang="en-US" dirty="0" smtClean="0"/>
+                        <a:rPr lang="en-US" b="0" i="0" strike="noStrike" dirty="0" smtClean="0"/>
                         <a:t>3.8.3</a:t>
                       </a:r>
                       <a:endParaRPr lang="fr-FR" dirty="0"/>
@@ -7369,7 +7369,7 @@
                     <a:lstStyle/>
                     <a:p>
                       <a:r>
-                        <a:rPr lang="en-US" dirty="0" smtClean="0"/>
+                        <a:rPr lang="en-US" b="0" i="0" strike="noStrike" dirty="0" smtClean="0"/>
                         <a:t>3.8.4</a:t>
                       </a:r>
                       <a:endParaRPr lang="fr-FR" dirty="0"/>
@@ -7383,7 +7383,7 @@
                     <a:lstStyle/>
                     <a:p>
                       <a:r>
-                        <a:rPr lang="en-US" dirty="0" smtClean="0"/>
+                        <a:rPr lang="en-US" b="0" i="0" strike="noStrike" dirty="0" smtClean="0"/>
                         <a:t>3.8.5</a:t>
                       </a:r>
                       <a:endParaRPr lang="fr-FR" dirty="0"/>
@@ -7397,7 +7397,7 @@
                     <a:lstStyle/>
                     <a:p>
                       <a:r>
-                        <a:rPr lang="en-US" dirty="0" smtClean="0"/>
+                        <a:rPr lang="en-US" b="0" i="0" strike="noStrike" dirty="0" smtClean="0"/>
                         <a:t>3.8.6</a:t>
                       </a:r>
                       <a:endParaRPr lang="fr-FR" dirty="0"/>
@@ -7413,7 +7413,7 @@
                     <a:lstStyle/>
                     <a:p>
                       <a:r>
-                        <a:rPr lang="en-US" dirty="0" smtClean="0"/>
+                        <a:rPr lang="en-US" b="0" i="0" strike="noStrike" dirty="0" smtClean="0"/>
                         <a:t>3.9.1</a:t>
                       </a:r>
                       <a:endParaRPr lang="fr-FR" dirty="0"/>
@@ -7444,7 +7444,7 @@
                         <a:defRPr/>
                       </a:pPr>
                       <a:r>
-                        <a:rPr lang="en-US" dirty="0" smtClean="0"/>
+                        <a:rPr lang="en-US" b="0" i="0" strike="noStrike" dirty="0" smtClean="0"/>
                         <a:t>3.9.2</a:t>
                       </a:r>
                       <a:endParaRPr lang="fr-FR" dirty="0" smtClean="0"/>
@@ -7458,7 +7458,7 @@
                     <a:lstStyle/>
                     <a:p>
                       <a:r>
-                        <a:rPr lang="en-US" dirty="0" smtClean="0"/>
+                        <a:rPr lang="en-US" b="0" i="0" strike="noStrike" dirty="0" smtClean="0"/>
                         <a:t>3.9.3</a:t>
                       </a:r>
                       <a:endParaRPr lang="fr-FR" dirty="0"/>
@@ -7472,7 +7472,7 @@
                     <a:lstStyle/>
                     <a:p>
                       <a:r>
-                        <a:rPr lang="en-US" dirty="0" smtClean="0"/>
+                        <a:rPr lang="en-US" b="0" i="0" strike="noStrike" dirty="0" smtClean="0"/>
                         <a:t>3.9.4</a:t>
                       </a:r>
                       <a:endParaRPr lang="fr-FR" dirty="0"/>
@@ -7486,7 +7486,7 @@
                     <a:lstStyle/>
                     <a:p>
                       <a:r>
-                        <a:rPr lang="en-US" dirty="0" smtClean="0"/>
+                        <a:rPr lang="en-US" b="0" i="0" strike="noStrike" dirty="0" smtClean="0"/>
                         <a:t>3.9.5</a:t>
                       </a:r>
                       <a:endParaRPr lang="fr-FR" dirty="0"/>
@@ -7500,7 +7500,7 @@
                     <a:lstStyle/>
                     <a:p>
                       <a:r>
-                        <a:rPr lang="en-US" dirty="0" smtClean="0"/>
+                        <a:rPr lang="en-US" b="0" i="0" strike="noStrike" dirty="0" smtClean="0"/>
                         <a:t>3.9.6</a:t>
                       </a:r>
                       <a:endParaRPr lang="fr-FR" dirty="0"/>
@@ -7668,7 +7668,7 @@
                     <a:lstStyle/>
                     <a:p>
                       <a:r>
-                        <a:rPr lang="en-US" sz="1800" b="0" i="0" u="none" dirty="0" smtClean="0"/>
+                        <a:rPr lang="en-US" sz="1800" b="0" i="0" u="none" strike="noStrike" dirty="0" smtClean="0"/>
                         <a:t>1.9.1</a:t>
                       </a:r>
                       <a:endParaRPr lang="fr-FR" sz="1800" b="0" i="0" u="none" dirty="0"/>
@@ -7699,7 +7699,7 @@
                         <a:defRPr/>
                       </a:pPr>
                       <a:r>
-                        <a:rPr lang="en-US" dirty="0" smtClean="0"/>
+                        <a:rPr lang="en-US" b="0" i="0" strike="noStrike" dirty="0" smtClean="0"/>
                         <a:t>1.9.2</a:t>
                       </a:r>
                       <a:endParaRPr lang="fr-FR" dirty="0" smtClean="0"/>
@@ -7713,7 +7713,7 @@
                     <a:lstStyle/>
                     <a:p>
                       <a:r>
-                        <a:rPr lang="en-US" dirty="0" smtClean="0"/>
+                        <a:rPr lang="en-US" b="0" i="0" strike="noStrike" dirty="0" smtClean="0"/>
                         <a:t>1.9.3</a:t>
                       </a:r>
                       <a:endParaRPr lang="fr-FR" dirty="0"/>
@@ -7727,7 +7727,7 @@
                     <a:lstStyle/>
                     <a:p>
                       <a:r>
-                        <a:rPr lang="en-US" dirty="0" smtClean="0"/>
+                        <a:rPr lang="en-US" b="0" i="0" strike="noStrike" dirty="0" smtClean="0"/>
                         <a:t>1.9.4</a:t>
                       </a:r>
                       <a:endParaRPr lang="fr-FR" dirty="0"/>
@@ -7741,7 +7741,7 @@
                     <a:lstStyle/>
                     <a:p>
                       <a:r>
-                        <a:rPr lang="en-US" dirty="0" smtClean="0"/>
+                        <a:rPr lang="en-US" b="0" i="0" strike="noStrike" dirty="0" smtClean="0"/>
                         <a:t>1.9.5</a:t>
                       </a:r>
                       <a:endParaRPr lang="fr-FR" dirty="0"/>
@@ -7755,7 +7755,7 @@
                     <a:lstStyle/>
                     <a:p>
                       <a:r>
-                        <a:rPr lang="en-US" dirty="0" smtClean="0"/>
+                        <a:rPr lang="en-US" b="0" i="0" strike="noStrike" dirty="0" smtClean="0"/>
                         <a:t>1.9.6</a:t>
                       </a:r>
                       <a:endParaRPr lang="fr-FR" dirty="0"/>

--- a/PowerpointTemplater.Tests/files/ReplaceTables_output5.pptx
+++ b/PowerpointTemplater.Tests/files/ReplaceTables_output5.pptx
@@ -6,10 +6,10 @@
   </p:sldMasterIdLst>
   <p:sldIdLst>
     <p:sldId id="256" r:id="rId2"/>
-    <p:sldId id="259" r:id="R5823ac0cfadf4574"/>
-    <p:sldId id="260" r:id="R871286e2d1974041"/>
-    <p:sldId id="261" r:id="Red4513f9267943df"/>
-    <p:sldId id="262" r:id="Rd5b658bfd87a421d"/>
+    <p:sldId id="259" r:id="R4be1cf7e55e040ad"/>
+    <p:sldId id="260" r:id="R5b55c65863004cca"/>
+    <p:sldId id="261" r:id="Ra276af10a7564df3"/>
+    <p:sldId id="262" r:id="Rb20b254dcc704d82"/>
     <p:sldId id="258" r:id="rId4"/>
   </p:sldIdLst>
   <p:sldSz cx="9144000" cy="6858000" type="screen4x3"/>
@@ -3320,7 +3320,7 @@
           </p:nvPr>
         </p:nvPicPr>
         <p:blipFill>
-          <a:blip r:embed="R9dc8ebd96f0c434f">
+          <a:blip r:embed="Rb1ccdd0ceceb4f66">
             <a:extLst>
               <a:ext uri="{28A0092B-C50C-407E-A947-70E740481C1C}">
                 <a14:useLocalDpi xmlns:a14="http://schemas.microsoft.com/office/drawing/2010/main" val="0"/>
